--- a/Exception Handling/Exception Handling.pptx
+++ b/Exception Handling/Exception Handling.pptx
@@ -5,19 +5,18 @@
     <p:sldMasterId id="2147483648" r:id="rId1"/>
   </p:sldMasterIdLst>
   <p:sldIdLst>
-    <p:sldId id="256" r:id="rId2"/>
-    <p:sldId id="257" r:id="rId3"/>
-    <p:sldId id="258" r:id="rId4"/>
-    <p:sldId id="259" r:id="rId5"/>
-    <p:sldId id="260" r:id="rId6"/>
-    <p:sldId id="261" r:id="rId7"/>
-    <p:sldId id="262" r:id="rId8"/>
-    <p:sldId id="263" r:id="rId9"/>
-    <p:sldId id="264" r:id="rId10"/>
-    <p:sldId id="265" r:id="rId11"/>
-    <p:sldId id="266" r:id="rId12"/>
-    <p:sldId id="267" r:id="rId13"/>
-    <p:sldId id="268" r:id="rId14"/>
+    <p:sldId id="257" r:id="rId2"/>
+    <p:sldId id="258" r:id="rId3"/>
+    <p:sldId id="259" r:id="rId4"/>
+    <p:sldId id="260" r:id="rId5"/>
+    <p:sldId id="261" r:id="rId6"/>
+    <p:sldId id="262" r:id="rId7"/>
+    <p:sldId id="263" r:id="rId8"/>
+    <p:sldId id="264" r:id="rId9"/>
+    <p:sldId id="265" r:id="rId10"/>
+    <p:sldId id="266" r:id="rId11"/>
+    <p:sldId id="267" r:id="rId12"/>
+    <p:sldId id="268" r:id="rId13"/>
   </p:sldIdLst>
   <p:sldSz cx="12192000" cy="6858000"/>
   <p:notesSz cx="6858000" cy="9144000"/>
@@ -116,6 +115,11 @@
       </a:defRPr>
     </a:lvl9pPr>
   </p:defaultTextStyle>
+  <p:extLst>
+    <p:ext uri="{EFAFB233-063F-42B5-8137-9DF3F51BA10A}">
+      <p15:sldGuideLst xmlns:p15="http://schemas.microsoft.com/office/powerpoint/2012/main"/>
+    </p:ext>
+  </p:extLst>
 </p:presentation>
 </file>
 
@@ -268,7 +272,7 @@
           <a:p>
             <a:fld id="{087E5B75-CAB3-49AB-96E6-5E32E6CE63BB}" type="datetimeFigureOut">
               <a:rPr lang="en-150" smtClean="0"/>
-              <a:t>07/02/2024</a:t>
+              <a:t>17/02/2024</a:t>
             </a:fld>
             <a:endParaRPr lang="en-150"/>
           </a:p>
@@ -468,7 +472,7 @@
           <a:p>
             <a:fld id="{087E5B75-CAB3-49AB-96E6-5E32E6CE63BB}" type="datetimeFigureOut">
               <a:rPr lang="en-150" smtClean="0"/>
-              <a:t>07/02/2024</a:t>
+              <a:t>17/02/2024</a:t>
             </a:fld>
             <a:endParaRPr lang="en-150"/>
           </a:p>
@@ -678,7 +682,7 @@
           <a:p>
             <a:fld id="{087E5B75-CAB3-49AB-96E6-5E32E6CE63BB}" type="datetimeFigureOut">
               <a:rPr lang="en-150" smtClean="0"/>
-              <a:t>07/02/2024</a:t>
+              <a:t>17/02/2024</a:t>
             </a:fld>
             <a:endParaRPr lang="en-150"/>
           </a:p>
@@ -878,7 +882,7 @@
           <a:p>
             <a:fld id="{934309F6-4A18-456D-80F5-6C2BECCB5DCC}" type="datetimeFigureOut">
               <a:rPr lang="en-150" smtClean="0"/>
-              <a:t>07/02/2024</a:t>
+              <a:t>17/02/2024</a:t>
             </a:fld>
             <a:endParaRPr lang="en-150"/>
           </a:p>
@@ -1078,7 +1082,7 @@
           <a:p>
             <a:fld id="{087E5B75-CAB3-49AB-96E6-5E32E6CE63BB}" type="datetimeFigureOut">
               <a:rPr lang="en-150" smtClean="0"/>
-              <a:t>07/02/2024</a:t>
+              <a:t>17/02/2024</a:t>
             </a:fld>
             <a:endParaRPr lang="en-150"/>
           </a:p>
@@ -1354,7 +1358,7 @@
           <a:p>
             <a:fld id="{087E5B75-CAB3-49AB-96E6-5E32E6CE63BB}" type="datetimeFigureOut">
               <a:rPr lang="en-150" smtClean="0"/>
-              <a:t>07/02/2024</a:t>
+              <a:t>17/02/2024</a:t>
             </a:fld>
             <a:endParaRPr lang="en-150"/>
           </a:p>
@@ -1622,7 +1626,7 @@
           <a:p>
             <a:fld id="{087E5B75-CAB3-49AB-96E6-5E32E6CE63BB}" type="datetimeFigureOut">
               <a:rPr lang="en-150" smtClean="0"/>
-              <a:t>07/02/2024</a:t>
+              <a:t>17/02/2024</a:t>
             </a:fld>
             <a:endParaRPr lang="en-150"/>
           </a:p>
@@ -2037,7 +2041,7 @@
           <a:p>
             <a:fld id="{087E5B75-CAB3-49AB-96E6-5E32E6CE63BB}" type="datetimeFigureOut">
               <a:rPr lang="en-150" smtClean="0"/>
-              <a:t>07/02/2024</a:t>
+              <a:t>17/02/2024</a:t>
             </a:fld>
             <a:endParaRPr lang="en-150"/>
           </a:p>
@@ -2179,7 +2183,7 @@
           <a:p>
             <a:fld id="{087E5B75-CAB3-49AB-96E6-5E32E6CE63BB}" type="datetimeFigureOut">
               <a:rPr lang="en-150" smtClean="0"/>
-              <a:t>07/02/2024</a:t>
+              <a:t>17/02/2024</a:t>
             </a:fld>
             <a:endParaRPr lang="en-150"/>
           </a:p>
@@ -2292,7 +2296,7 @@
           <a:p>
             <a:fld id="{087E5B75-CAB3-49AB-96E6-5E32E6CE63BB}" type="datetimeFigureOut">
               <a:rPr lang="en-150" smtClean="0"/>
-              <a:t>07/02/2024</a:t>
+              <a:t>17/02/2024</a:t>
             </a:fld>
             <a:endParaRPr lang="en-150"/>
           </a:p>
@@ -2605,7 +2609,7 @@
           <a:p>
             <a:fld id="{087E5B75-CAB3-49AB-96E6-5E32E6CE63BB}" type="datetimeFigureOut">
               <a:rPr lang="en-150" smtClean="0"/>
-              <a:t>07/02/2024</a:t>
+              <a:t>17/02/2024</a:t>
             </a:fld>
             <a:endParaRPr lang="en-150"/>
           </a:p>
@@ -2894,7 +2898,7 @@
           <a:p>
             <a:fld id="{087E5B75-CAB3-49AB-96E6-5E32E6CE63BB}" type="datetimeFigureOut">
               <a:rPr lang="en-150" smtClean="0"/>
-              <a:t>07/02/2024</a:t>
+              <a:t>17/02/2024</a:t>
             </a:fld>
             <a:endParaRPr lang="en-150"/>
           </a:p>
@@ -3137,7 +3141,7 @@
           <a:p>
             <a:fld id="{087E5B75-CAB3-49AB-96E6-5E32E6CE63BB}" type="datetimeFigureOut">
               <a:rPr lang="en-150" smtClean="0"/>
-              <a:t>07/02/2024</a:t>
+              <a:t>17/02/2024</a:t>
             </a:fld>
             <a:endParaRPr lang="en-150"/>
           </a:p>
@@ -3541,6 +3545,14 @@
 <file path=ppt/slides/slide1.xml><?xml version="1.0" encoding="utf-8"?>
 <p:sld xmlns:a="http://schemas.openxmlformats.org/drawingml/2006/main" xmlns:r="http://schemas.openxmlformats.org/officeDocument/2006/relationships" xmlns:p="http://schemas.openxmlformats.org/presentationml/2006/main">
   <p:cSld>
+    <p:bg>
+      <p:bgPr>
+        <a:solidFill>
+          <a:schemeClr val="bg1"/>
+        </a:solidFill>
+        <a:effectLst/>
+      </p:bgPr>
+    </p:bg>
     <p:spTree>
       <p:nvGrpSpPr>
         <p:cNvPr id="1" name=""/>
@@ -3555,60 +3567,302 @@
           <a:chExt cx="0" cy="0"/>
         </a:xfrm>
       </p:grpSpPr>
+      <p:sp useBgFill="1">
+        <p:nvSpPr>
+          <p:cNvPr id="9" name="Rectangle 8">
+            <a:extLst>
+              <a:ext uri="{FF2B5EF4-FFF2-40B4-BE49-F238E27FC236}">
+                <a16:creationId xmlns:a16="http://schemas.microsoft.com/office/drawing/2014/main" id="{96CF2A2B-0745-440C-9224-C5C6A0A4286F}"/>
+              </a:ext>
+              <a:ext uri="{C183D7F6-B498-43B3-948B-1728B52AA6E4}">
+                <adec:decorative xmlns:adec="http://schemas.microsoft.com/office/drawing/2017/decorative" val="1"/>
+              </a:ext>
+            </a:extLst>
+          </p:cNvPr>
+          <p:cNvSpPr>
+            <a:spLocks noGrp="1" noRot="1" noChangeAspect="1" noMove="1" noResize="1" noEditPoints="1" noAdjustHandles="1" noChangeArrowheads="1" noChangeShapeType="1" noTextEdit="1"/>
+          </p:cNvSpPr>
+          <p:nvPr>
+            <p:extLst>
+              <p:ext uri="{386F3935-93C4-4BCD-93E2-E3B085C9AB24}">
+                <p16:designElem xmlns:p16="http://schemas.microsoft.com/office/powerpoint/2015/main" val="1"/>
+              </p:ext>
+            </p:extLst>
+          </p:nvPr>
+        </p:nvSpPr>
+        <p:spPr>
+          <a:xfrm>
+            <a:off x="0" y="-1"/>
+            <a:ext cx="12188952" cy="6858000"/>
+          </a:xfrm>
+          <a:prstGeom prst="rect">
+            <a:avLst/>
+          </a:prstGeom>
+          <a:ln>
+            <a:noFill/>
+          </a:ln>
+        </p:spPr>
+        <p:style>
+          <a:lnRef idx="2">
+            <a:schemeClr val="accent1">
+              <a:shade val="50000"/>
+            </a:schemeClr>
+          </a:lnRef>
+          <a:fillRef idx="1">
+            <a:schemeClr val="accent1"/>
+          </a:fillRef>
+          <a:effectRef idx="0">
+            <a:schemeClr val="accent1"/>
+          </a:effectRef>
+          <a:fontRef idx="minor">
+            <a:schemeClr val="lt1"/>
+          </a:fontRef>
+        </p:style>
+        <p:txBody>
+          <a:bodyPr rtlCol="0" anchor="ctr"/>
+          <a:lstStyle/>
+          <a:p>
+            <a:pPr marL="0" marR="0" lvl="0" indent="0" algn="ctr" defTabSz="914400" rtl="0" eaLnBrk="1" fontAlgn="auto" latinLnBrk="0" hangingPunct="1">
+              <a:lnSpc>
+                <a:spcPct val="100000"/>
+              </a:lnSpc>
+              <a:spcBef>
+                <a:spcPts val="0"/>
+              </a:spcBef>
+              <a:spcAft>
+                <a:spcPts val="0"/>
+              </a:spcAft>
+              <a:buClrTx/>
+              <a:buSzTx/>
+              <a:buFontTx/>
+              <a:buNone/>
+              <a:tabLst/>
+              <a:defRPr/>
+            </a:pPr>
+            <a:endParaRPr kumimoji="0" lang="en-US" sz="1800" b="0" i="0" u="none" strike="noStrike" kern="1200" cap="none" spc="0" normalizeH="0" baseline="0" noProof="0">
+              <a:ln>
+                <a:noFill/>
+              </a:ln>
+              <a:solidFill>
+                <a:prstClr val="white"/>
+              </a:solidFill>
+              <a:effectLst/>
+              <a:uLnTx/>
+              <a:uFillTx/>
+              <a:latin typeface="Calibri" panose="020F0502020204030204"/>
+              <a:ea typeface="+mn-ea"/>
+              <a:cs typeface="+mn-cs"/>
+            </a:endParaRPr>
+          </a:p>
+        </p:txBody>
+      </p:sp>
+      <p:sp>
+        <p:nvSpPr>
+          <p:cNvPr id="11" name="Rectangle 10">
+            <a:extLst>
+              <a:ext uri="{FF2B5EF4-FFF2-40B4-BE49-F238E27FC236}">
+                <a16:creationId xmlns:a16="http://schemas.microsoft.com/office/drawing/2014/main" id="{75BE6D6B-84C9-4D2B-97EB-773B7369EF82}"/>
+              </a:ext>
+              <a:ext uri="{C183D7F6-B498-43B3-948B-1728B52AA6E4}">
+                <adec:decorative xmlns:adec="http://schemas.microsoft.com/office/drawing/2017/decorative" val="1"/>
+              </a:ext>
+            </a:extLst>
+          </p:cNvPr>
+          <p:cNvSpPr>
+            <a:spLocks noGrp="1" noRot="1" noChangeAspect="1" noMove="1" noResize="1" noEditPoints="1" noAdjustHandles="1" noChangeArrowheads="1" noChangeShapeType="1" noTextEdit="1"/>
+          </p:cNvSpPr>
+          <p:nvPr>
+            <p:extLst>
+              <p:ext uri="{386F3935-93C4-4BCD-93E2-E3B085C9AB24}">
+                <p16:designElem xmlns:p16="http://schemas.microsoft.com/office/powerpoint/2015/main" val="1"/>
+              </p:ext>
+            </p:extLst>
+          </p:nvPr>
+        </p:nvSpPr>
+        <p:spPr>
+          <a:xfrm>
+            <a:off x="0" y="0"/>
+            <a:ext cx="12192000" cy="6858000"/>
+          </a:xfrm>
+          <a:prstGeom prst="rect">
+            <a:avLst/>
+          </a:prstGeom>
+          <a:solidFill>
+            <a:srgbClr val="000000"/>
+          </a:solidFill>
+          <a:ln>
+            <a:noFill/>
+          </a:ln>
+        </p:spPr>
+        <p:style>
+          <a:lnRef idx="2">
+            <a:schemeClr val="accent1">
+              <a:shade val="50000"/>
+            </a:schemeClr>
+          </a:lnRef>
+          <a:fillRef idx="1">
+            <a:schemeClr val="accent1"/>
+          </a:fillRef>
+          <a:effectRef idx="0">
+            <a:schemeClr val="accent1"/>
+          </a:effectRef>
+          <a:fontRef idx="minor">
+            <a:schemeClr val="lt1"/>
+          </a:fontRef>
+        </p:style>
+        <p:txBody>
+          <a:bodyPr rtlCol="0" anchor="ctr"/>
+          <a:lstStyle/>
+          <a:p>
+            <a:pPr marL="0" marR="0" lvl="0" indent="0" algn="ctr" defTabSz="914400" rtl="0" eaLnBrk="1" fontAlgn="auto" latinLnBrk="0" hangingPunct="1">
+              <a:lnSpc>
+                <a:spcPct val="100000"/>
+              </a:lnSpc>
+              <a:spcBef>
+                <a:spcPts val="0"/>
+              </a:spcBef>
+              <a:spcAft>
+                <a:spcPts val="0"/>
+              </a:spcAft>
+              <a:buClrTx/>
+              <a:buSzTx/>
+              <a:buFontTx/>
+              <a:buNone/>
+              <a:tabLst/>
+              <a:defRPr/>
+            </a:pPr>
+            <a:endParaRPr kumimoji="0" lang="en-US" sz="1800" b="0" i="0" u="none" strike="noStrike" kern="1200" cap="none" spc="0" normalizeH="0" baseline="0" noProof="0">
+              <a:ln>
+                <a:noFill/>
+              </a:ln>
+              <a:solidFill>
+                <a:srgbClr val="000000"/>
+              </a:solidFill>
+              <a:effectLst/>
+              <a:uLnTx/>
+              <a:uFillTx/>
+              <a:latin typeface="Calibri" panose="020F0502020204030204"/>
+              <a:ea typeface="+mn-ea"/>
+              <a:cs typeface="+mn-cs"/>
+            </a:endParaRPr>
+          </a:p>
+        </p:txBody>
+      </p:sp>
+      <p:pic>
+        <p:nvPicPr>
+          <p:cNvPr id="5" name="Picture 4" descr="Many question marks on black background">
+            <a:extLst>
+              <a:ext uri="{FF2B5EF4-FFF2-40B4-BE49-F238E27FC236}">
+                <a16:creationId xmlns:a16="http://schemas.microsoft.com/office/drawing/2014/main" id="{621CD762-3119-5891-E0F9-B09843E5E9D1}"/>
+              </a:ext>
+            </a:extLst>
+          </p:cNvPr>
+          <p:cNvPicPr>
+            <a:picLocks noChangeAspect="1"/>
+          </p:cNvPicPr>
+          <p:nvPr/>
+        </p:nvPicPr>
+        <p:blipFill rotWithShape="1">
+          <a:blip r:embed="rId2">
+            <a:alphaModFix amt="60000"/>
+          </a:blip>
+          <a:srcRect t="7787"/>
+          <a:stretch/>
+        </p:blipFill>
+        <p:spPr>
+          <a:xfrm>
+            <a:off x="-1" y="10"/>
+            <a:ext cx="12192001" cy="6857990"/>
+          </a:xfrm>
+          <a:prstGeom prst="rect">
+            <a:avLst/>
+          </a:prstGeom>
+        </p:spPr>
+      </p:pic>
       <p:sp>
         <p:nvSpPr>
           <p:cNvPr id="2" name="Title 1">
             <a:extLst>
               <a:ext uri="{FF2B5EF4-FFF2-40B4-BE49-F238E27FC236}">
-                <a16:creationId xmlns:a16="http://schemas.microsoft.com/office/drawing/2014/main" id="{01D0DDDE-CD95-949E-347E-7DE940D8102B}"/>
-              </a:ext>
-            </a:extLst>
-          </p:cNvPr>
-          <p:cNvSpPr>
-            <a:spLocks noGrp="1"/>
-          </p:cNvSpPr>
-          <p:nvPr>
-            <p:ph type="ctrTitle"/>
-          </p:nvPr>
-        </p:nvSpPr>
-        <p:spPr/>
-        <p:txBody>
-          <a:bodyPr/>
-          <a:lstStyle/>
-          <a:p>
-            <a:endParaRPr lang="en-150"/>
-          </a:p>
-        </p:txBody>
-      </p:sp>
-      <p:sp>
-        <p:nvSpPr>
-          <p:cNvPr id="3" name="Subtitle 2">
-            <a:extLst>
-              <a:ext uri="{FF2B5EF4-FFF2-40B4-BE49-F238E27FC236}">
-                <a16:creationId xmlns:a16="http://schemas.microsoft.com/office/drawing/2014/main" id="{6FA38B54-0B65-D47A-C38B-71FCFBF3B438}"/>
-              </a:ext>
-            </a:extLst>
-          </p:cNvPr>
-          <p:cNvSpPr>
-            <a:spLocks noGrp="1"/>
-          </p:cNvSpPr>
-          <p:nvPr>
-            <p:ph type="subTitle" idx="1"/>
-          </p:nvPr>
-        </p:nvSpPr>
-        <p:spPr/>
-        <p:txBody>
-          <a:bodyPr/>
-          <a:lstStyle/>
-          <a:p>
-            <a:endParaRPr lang="en-150"/>
+                <a16:creationId xmlns:a16="http://schemas.microsoft.com/office/drawing/2014/main" id="{60B6DC98-C96C-8C6F-96E7-5ADF9D19EEAE}"/>
+              </a:ext>
+            </a:extLst>
+          </p:cNvPr>
+          <p:cNvSpPr>
+            <a:spLocks noGrp="1"/>
+          </p:cNvSpPr>
+          <p:nvPr>
+            <p:ph type="title"/>
+          </p:nvPr>
+        </p:nvSpPr>
+        <p:spPr>
+          <a:xfrm>
+            <a:off x="1198181" y="728906"/>
+            <a:ext cx="9792471" cy="2057037"/>
+          </a:xfrm>
+        </p:spPr>
+        <p:txBody>
+          <a:bodyPr vert="horz" lIns="91440" tIns="45720" rIns="91440" bIns="45720" rtlCol="0" anchor="ctr">
+            <a:normAutofit/>
+          </a:bodyPr>
+          <a:lstStyle/>
+          <a:p>
+            <a:pPr marR="0"/>
+            <a:r>
+              <a:rPr lang="en-US" altLang="ja-JP" b="1" i="0" u="none" strike="noStrike" baseline="0">
+                <a:solidFill>
+                  <a:srgbClr val="FFFFFF"/>
+                </a:solidFill>
+              </a:rPr>
+              <a:t>Exception Handling in C#</a:t>
+            </a:r>
+          </a:p>
+        </p:txBody>
+      </p:sp>
+      <p:sp>
+        <p:nvSpPr>
+          <p:cNvPr id="3" name="Text Placeholder 2">
+            <a:extLst>
+              <a:ext uri="{FF2B5EF4-FFF2-40B4-BE49-F238E27FC236}">
+                <a16:creationId xmlns:a16="http://schemas.microsoft.com/office/drawing/2014/main" id="{7D4D6399-F82D-69B3-C86E-AB9B9E41A1BB}"/>
+              </a:ext>
+            </a:extLst>
+          </p:cNvPr>
+          <p:cNvSpPr>
+            <a:spLocks noGrp="1"/>
+          </p:cNvSpPr>
+          <p:nvPr>
+            <p:ph type="body" idx="1"/>
+          </p:nvPr>
+        </p:nvSpPr>
+        <p:spPr>
+          <a:xfrm>
+            <a:off x="1198181" y="2957665"/>
+            <a:ext cx="9792471" cy="3171423"/>
+          </a:xfrm>
+        </p:spPr>
+        <p:txBody>
+          <a:bodyPr vert="horz" lIns="91440" tIns="45720" rIns="91440" bIns="45720" rtlCol="0">
+            <a:normAutofit/>
+          </a:bodyPr>
+          <a:lstStyle/>
+          <a:p>
+            <a:pPr marR="0" lvl="0"/>
+            <a:r>
+              <a:rPr lang="en-US" altLang="ja-JP" sz="2000" b="0" i="0" u="none" strike="noStrike" baseline="0" dirty="0">
+                <a:solidFill>
+                  <a:srgbClr val="FFFFFF"/>
+                </a:solidFill>
+              </a:rPr>
+              <a:t>Theory, Examples, and Exercises</a:t>
+            </a:r>
           </a:p>
         </p:txBody>
       </p:sp>
     </p:spTree>
     <p:extLst>
       <p:ext uri="{BB962C8B-B14F-4D97-AF65-F5344CB8AC3E}">
-        <p14:creationId xmlns:p14="http://schemas.microsoft.com/office/powerpoint/2010/main" val="1933936493"/>
+        <p14:creationId xmlns:p14="http://schemas.microsoft.com/office/powerpoint/2010/main" val="3341681823"/>
       </p:ext>
     </p:extLst>
   </p:cSld>
@@ -3708,10 +3962,10 @@
       </p:sp>
       <p:pic>
         <p:nvPicPr>
-          <p:cNvPr id="5" name="Picture 4" descr="Stack of files">
-            <a:extLst>
-              <a:ext uri="{FF2B5EF4-FFF2-40B4-BE49-F238E27FC236}">
-                <a16:creationId xmlns:a16="http://schemas.microsoft.com/office/drawing/2014/main" id="{D1F8F7C7-F540-BEF7-2F54-EC5AA725B85D}"/>
+          <p:cNvPr id="5" name="Picture 4" descr="Green paper stripe curves">
+            <a:extLst>
+              <a:ext uri="{FF2B5EF4-FFF2-40B4-BE49-F238E27FC236}">
+                <a16:creationId xmlns:a16="http://schemas.microsoft.com/office/drawing/2014/main" id="{0CD88A9A-E17E-0D47-5D61-5259A013F695}"/>
               </a:ext>
             </a:extLst>
           </p:cNvPr>
@@ -3724,7 +3978,7 @@
           <a:blip r:embed="rId2">
             <a:alphaModFix amt="40000"/>
           </a:blip>
-          <a:srcRect t="15730"/>
+          <a:srcRect t="2197" b="13217"/>
           <a:stretch/>
         </p:blipFill>
         <p:spPr>
@@ -3742,7 +3996,7 @@
           <p:cNvPr id="2" name="Title 1">
             <a:extLst>
               <a:ext uri="{FF2B5EF4-FFF2-40B4-BE49-F238E27FC236}">
-                <a16:creationId xmlns:a16="http://schemas.microsoft.com/office/drawing/2014/main" id="{707E202D-2EC3-BA73-E26B-583AAF17840F}"/>
+                <a16:creationId xmlns:a16="http://schemas.microsoft.com/office/drawing/2014/main" id="{AD486743-6FD4-187D-1E4F-D852B895D8F0}"/>
               </a:ext>
             </a:extLst>
           </p:cNvPr>
@@ -3772,7 +4026,7 @@
                   <a:schemeClr val="bg1"/>
                 </a:solidFill>
               </a:rPr>
-              <a:t>File Read Example</a:t>
+              <a:t>Exercise - File Content Processor</a:t>
             </a:r>
           </a:p>
         </p:txBody>
@@ -3943,7 +4197,7 @@
           <p:cNvPr id="3" name="Text Placeholder 2">
             <a:extLst>
               <a:ext uri="{FF2B5EF4-FFF2-40B4-BE49-F238E27FC236}">
-                <a16:creationId xmlns:a16="http://schemas.microsoft.com/office/drawing/2014/main" id="{6EC0E610-03B8-60CF-1F03-1173E4B71770}"/>
+                <a16:creationId xmlns:a16="http://schemas.microsoft.com/office/drawing/2014/main" id="{38A00634-B511-2429-80A5-13ACC4B7E84D}"/>
               </a:ext>
             </a:extLst>
           </p:cNvPr>
@@ -3973,7 +4227,18 @@
                   <a:schemeClr val="bg1"/>
                 </a:solidFill>
               </a:rPr>
-              <a:t>Brief overview of handling exceptions while reading files. Mention the use of using for resource cleanup.</a:t>
+              <a:t>Read and process file content.</a:t>
+            </a:r>
+          </a:p>
+          <a:p>
+            <a:pPr marR="0" lvl="0"/>
+            <a:r>
+              <a:rPr lang="en-US" altLang="ja-JP" sz="2000" b="0" i="0" u="none" strike="noStrike" baseline="0">
+                <a:solidFill>
+                  <a:schemeClr val="bg1"/>
+                </a:solidFill>
+              </a:rPr>
+              <a:t>Handle exceptions: FileNotFoundException, UnauthorizedAccessException, FormatException.</a:t>
             </a:r>
           </a:p>
         </p:txBody>
@@ -3981,7 +4246,7 @@
     </p:spTree>
     <p:extLst>
       <p:ext uri="{BB962C8B-B14F-4D97-AF65-F5344CB8AC3E}">
-        <p14:creationId xmlns:p14="http://schemas.microsoft.com/office/powerpoint/2010/main" val="2052674639"/>
+        <p14:creationId xmlns:p14="http://schemas.microsoft.com/office/powerpoint/2010/main" val="4027817057"/>
       </p:ext>
     </p:extLst>
   </p:cSld>
@@ -4081,10 +4346,10 @@
       </p:sp>
       <p:pic>
         <p:nvPicPr>
-          <p:cNvPr id="5" name="Picture 4" descr="Green paper stripe curves">
-            <a:extLst>
-              <a:ext uri="{FF2B5EF4-FFF2-40B4-BE49-F238E27FC236}">
-                <a16:creationId xmlns:a16="http://schemas.microsoft.com/office/drawing/2014/main" id="{0CD88A9A-E17E-0D47-5D61-5259A013F695}"/>
+          <p:cNvPr id="5" name="Picture 4" descr="Hand holding a pen shading number on a sheet">
+            <a:extLst>
+              <a:ext uri="{FF2B5EF4-FFF2-40B4-BE49-F238E27FC236}">
+                <a16:creationId xmlns:a16="http://schemas.microsoft.com/office/drawing/2014/main" id="{0AE3CB1F-8241-A315-BA9C-E12CD9B54FBA}"/>
               </a:ext>
             </a:extLst>
           </p:cNvPr>
@@ -4097,7 +4362,7 @@
           <a:blip r:embed="rId2">
             <a:alphaModFix amt="40000"/>
           </a:blip>
-          <a:srcRect t="2197" b="13217"/>
+          <a:srcRect b="15730"/>
           <a:stretch/>
         </p:blipFill>
         <p:spPr>
@@ -4115,7 +4380,7 @@
           <p:cNvPr id="2" name="Title 1">
             <a:extLst>
               <a:ext uri="{FF2B5EF4-FFF2-40B4-BE49-F238E27FC236}">
-                <a16:creationId xmlns:a16="http://schemas.microsoft.com/office/drawing/2014/main" id="{AD486743-6FD4-187D-1E4F-D852B895D8F0}"/>
+                <a16:creationId xmlns:a16="http://schemas.microsoft.com/office/drawing/2014/main" id="{ADD12949-A9EC-0C81-D791-9285BB189A7C}"/>
               </a:ext>
             </a:extLst>
           </p:cNvPr>
@@ -4145,7 +4410,7 @@
                   <a:schemeClr val="bg1"/>
                 </a:solidFill>
               </a:rPr>
-              <a:t>Exercise - File Content Processor</a:t>
+              <a:t>Exercise - Calculate Square Root</a:t>
             </a:r>
           </a:p>
         </p:txBody>
@@ -4316,390 +4581,6 @@
           <p:cNvPr id="3" name="Text Placeholder 2">
             <a:extLst>
               <a:ext uri="{FF2B5EF4-FFF2-40B4-BE49-F238E27FC236}">
-                <a16:creationId xmlns:a16="http://schemas.microsoft.com/office/drawing/2014/main" id="{38A00634-B511-2429-80A5-13ACC4B7E84D}"/>
-              </a:ext>
-            </a:extLst>
-          </p:cNvPr>
-          <p:cNvSpPr>
-            <a:spLocks noGrp="1"/>
-          </p:cNvSpPr>
-          <p:nvPr>
-            <p:ph type="body" idx="1"/>
-          </p:nvPr>
-        </p:nvSpPr>
-        <p:spPr>
-          <a:xfrm>
-            <a:off x="841248" y="3502152"/>
-            <a:ext cx="10506456" cy="2670048"/>
-          </a:xfrm>
-        </p:spPr>
-        <p:txBody>
-          <a:bodyPr vert="horz" lIns="91440" tIns="45720" rIns="91440" bIns="45720" rtlCol="0">
-            <a:normAutofit/>
-          </a:bodyPr>
-          <a:lstStyle/>
-          <a:p>
-            <a:pPr marR="0" lvl="0"/>
-            <a:r>
-              <a:rPr lang="en-US" altLang="ja-JP" sz="2000" b="0" i="0" u="none" strike="noStrike" baseline="0">
-                <a:solidFill>
-                  <a:schemeClr val="bg1"/>
-                </a:solidFill>
-              </a:rPr>
-              <a:t>Read and process file content.</a:t>
-            </a:r>
-          </a:p>
-          <a:p>
-            <a:pPr marR="0" lvl="0"/>
-            <a:r>
-              <a:rPr lang="en-US" altLang="ja-JP" sz="2000" b="0" i="0" u="none" strike="noStrike" baseline="0">
-                <a:solidFill>
-                  <a:schemeClr val="bg1"/>
-                </a:solidFill>
-              </a:rPr>
-              <a:t>Handle exceptions: FileNotFoundException, UnauthorizedAccessException, FormatException.</a:t>
-            </a:r>
-          </a:p>
-        </p:txBody>
-      </p:sp>
-    </p:spTree>
-    <p:extLst>
-      <p:ext uri="{BB962C8B-B14F-4D97-AF65-F5344CB8AC3E}">
-        <p14:creationId xmlns:p14="http://schemas.microsoft.com/office/powerpoint/2010/main" val="4027817057"/>
-      </p:ext>
-    </p:extLst>
-  </p:cSld>
-  <p:clrMapOvr>
-    <a:masterClrMapping/>
-  </p:clrMapOvr>
-</p:sld>
-</file>
-
-<file path=ppt/slides/slide12.xml><?xml version="1.0" encoding="utf-8"?>
-<p:sld xmlns:a="http://schemas.openxmlformats.org/drawingml/2006/main" xmlns:r="http://schemas.openxmlformats.org/officeDocument/2006/relationships" xmlns:p="http://schemas.openxmlformats.org/presentationml/2006/main">
-  <p:cSld>
-    <p:bg>
-      <p:bgPr>
-        <a:solidFill>
-          <a:schemeClr val="bg1"/>
-        </a:solidFill>
-        <a:effectLst/>
-      </p:bgPr>
-    </p:bg>
-    <p:spTree>
-      <p:nvGrpSpPr>
-        <p:cNvPr id="1" name=""/>
-        <p:cNvGrpSpPr/>
-        <p:nvPr/>
-      </p:nvGrpSpPr>
-      <p:grpSpPr>
-        <a:xfrm>
-          <a:off x="0" y="0"/>
-          <a:ext cx="0" cy="0"/>
-          <a:chOff x="0" y="0"/>
-          <a:chExt cx="0" cy="0"/>
-        </a:xfrm>
-      </p:grpSpPr>
-      <p:sp>
-        <p:nvSpPr>
-          <p:cNvPr id="9" name="!!Rectangle">
-            <a:extLst>
-              <a:ext uri="{FF2B5EF4-FFF2-40B4-BE49-F238E27FC236}">
-                <a16:creationId xmlns:a16="http://schemas.microsoft.com/office/drawing/2014/main" id="{7C432AFE-B3D2-4BFF-BF8F-96C27AFF1AC7}"/>
-              </a:ext>
-              <a:ext uri="{C183D7F6-B498-43B3-948B-1728B52AA6E4}">
-                <adec:decorative xmlns:adec="http://schemas.microsoft.com/office/drawing/2017/decorative" val="1"/>
-              </a:ext>
-            </a:extLst>
-          </p:cNvPr>
-          <p:cNvSpPr>
-            <a:spLocks noGrp="1" noRot="1" noChangeAspect="1" noMove="1" noResize="1" noEditPoints="1" noAdjustHandles="1" noChangeArrowheads="1" noChangeShapeType="1" noTextEdit="1"/>
-          </p:cNvSpPr>
-          <p:nvPr>
-            <p:extLst>
-              <p:ext uri="{386F3935-93C4-4BCD-93E2-E3B085C9AB24}">
-                <p16:designElem xmlns:p16="http://schemas.microsoft.com/office/powerpoint/2015/main" val="1"/>
-              </p:ext>
-            </p:extLst>
-          </p:nvPr>
-        </p:nvSpPr>
-        <p:spPr>
-          <a:xfrm>
-            <a:off x="0" y="0"/>
-            <a:ext cx="12192000" cy="6858000"/>
-          </a:xfrm>
-          <a:prstGeom prst="rect">
-            <a:avLst/>
-          </a:prstGeom>
-          <a:solidFill>
-            <a:schemeClr val="tx1"/>
-          </a:solidFill>
-          <a:ln>
-            <a:noFill/>
-          </a:ln>
-        </p:spPr>
-        <p:style>
-          <a:lnRef idx="2">
-            <a:schemeClr val="accent1">
-              <a:shade val="50000"/>
-            </a:schemeClr>
-          </a:lnRef>
-          <a:fillRef idx="1">
-            <a:schemeClr val="accent1"/>
-          </a:fillRef>
-          <a:effectRef idx="0">
-            <a:schemeClr val="accent1"/>
-          </a:effectRef>
-          <a:fontRef idx="minor">
-            <a:schemeClr val="lt1"/>
-          </a:fontRef>
-        </p:style>
-        <p:txBody>
-          <a:bodyPr rtlCol="0" anchor="ctr"/>
-          <a:lstStyle/>
-          <a:p>
-            <a:pPr algn="ctr"/>
-            <a:endParaRPr lang="en-US"/>
-          </a:p>
-        </p:txBody>
-      </p:sp>
-      <p:pic>
-        <p:nvPicPr>
-          <p:cNvPr id="5" name="Picture 4" descr="Hand holding a pen shading number on a sheet">
-            <a:extLst>
-              <a:ext uri="{FF2B5EF4-FFF2-40B4-BE49-F238E27FC236}">
-                <a16:creationId xmlns:a16="http://schemas.microsoft.com/office/drawing/2014/main" id="{0AE3CB1F-8241-A315-BA9C-E12CD9B54FBA}"/>
-              </a:ext>
-            </a:extLst>
-          </p:cNvPr>
-          <p:cNvPicPr>
-            <a:picLocks noChangeAspect="1"/>
-          </p:cNvPicPr>
-          <p:nvPr/>
-        </p:nvPicPr>
-        <p:blipFill rotWithShape="1">
-          <a:blip r:embed="rId2">
-            <a:alphaModFix amt="40000"/>
-          </a:blip>
-          <a:srcRect b="15730"/>
-          <a:stretch/>
-        </p:blipFill>
-        <p:spPr>
-          <a:xfrm>
-            <a:off x="20" y="10"/>
-            <a:ext cx="12191979" cy="6857990"/>
-          </a:xfrm>
-          <a:prstGeom prst="rect">
-            <a:avLst/>
-          </a:prstGeom>
-        </p:spPr>
-      </p:pic>
-      <p:sp>
-        <p:nvSpPr>
-          <p:cNvPr id="2" name="Title 1">
-            <a:extLst>
-              <a:ext uri="{FF2B5EF4-FFF2-40B4-BE49-F238E27FC236}">
-                <a16:creationId xmlns:a16="http://schemas.microsoft.com/office/drawing/2014/main" id="{ADD12949-A9EC-0C81-D791-9285BB189A7C}"/>
-              </a:ext>
-            </a:extLst>
-          </p:cNvPr>
-          <p:cNvSpPr>
-            <a:spLocks noGrp="1"/>
-          </p:cNvSpPr>
-          <p:nvPr>
-            <p:ph type="title"/>
-          </p:nvPr>
-        </p:nvSpPr>
-        <p:spPr>
-          <a:xfrm>
-            <a:off x="841249" y="941832"/>
-            <a:ext cx="10506456" cy="2057400"/>
-          </a:xfrm>
-        </p:spPr>
-        <p:txBody>
-          <a:bodyPr vert="horz" lIns="91440" tIns="45720" rIns="91440" bIns="45720" rtlCol="0" anchor="b">
-            <a:normAutofit/>
-          </a:bodyPr>
-          <a:lstStyle/>
-          <a:p>
-            <a:pPr marR="0"/>
-            <a:r>
-              <a:rPr lang="en-US" altLang="ja-JP" sz="5000" b="1" i="0" u="none" strike="noStrike" baseline="0">
-                <a:solidFill>
-                  <a:schemeClr val="bg1"/>
-                </a:solidFill>
-              </a:rPr>
-              <a:t>Exercise - Calculate Square Root</a:t>
-            </a:r>
-          </a:p>
-        </p:txBody>
-      </p:sp>
-      <p:sp>
-        <p:nvSpPr>
-          <p:cNvPr id="11" name="Rectangle 10">
-            <a:extLst>
-              <a:ext uri="{FF2B5EF4-FFF2-40B4-BE49-F238E27FC236}">
-                <a16:creationId xmlns:a16="http://schemas.microsoft.com/office/drawing/2014/main" id="{AF2F604E-43BE-4DC3-B983-E071523364F8}"/>
-              </a:ext>
-              <a:ext uri="{C183D7F6-B498-43B3-948B-1728B52AA6E4}">
-                <adec:decorative xmlns:adec="http://schemas.microsoft.com/office/drawing/2017/decorative" val="1"/>
-              </a:ext>
-            </a:extLst>
-          </p:cNvPr>
-          <p:cNvSpPr>
-            <a:spLocks noGrp="1" noRot="1" noChangeAspect="1" noMove="1" noResize="1" noEditPoints="1" noAdjustHandles="1" noChangeArrowheads="1" noChangeShapeType="1" noTextEdit="1"/>
-          </p:cNvSpPr>
-          <p:nvPr>
-            <p:extLst>
-              <p:ext uri="{386F3935-93C4-4BCD-93E2-E3B085C9AB24}">
-                <p16:designElem xmlns:p16="http://schemas.microsoft.com/office/powerpoint/2015/main" val="1"/>
-              </p:ext>
-            </p:extLst>
-          </p:nvPr>
-        </p:nvSpPr>
-        <p:spPr>
-          <a:xfrm rot="5400000">
-            <a:off x="1120140" y="346791"/>
-            <a:ext cx="146304" cy="704088"/>
-          </a:xfrm>
-          <a:prstGeom prst="rect">
-            <a:avLst/>
-          </a:prstGeom>
-          <a:solidFill>
-            <a:schemeClr val="accent2"/>
-          </a:solidFill>
-          <a:ln>
-            <a:noFill/>
-          </a:ln>
-        </p:spPr>
-        <p:style>
-          <a:lnRef idx="2">
-            <a:schemeClr val="accent1">
-              <a:shade val="50000"/>
-            </a:schemeClr>
-          </a:lnRef>
-          <a:fillRef idx="1">
-            <a:schemeClr val="accent1"/>
-          </a:fillRef>
-          <a:effectRef idx="0">
-            <a:schemeClr val="accent1"/>
-          </a:effectRef>
-          <a:fontRef idx="minor">
-            <a:schemeClr val="lt1"/>
-          </a:fontRef>
-        </p:style>
-        <p:txBody>
-          <a:bodyPr rtlCol="0" anchor="ctr"/>
-          <a:lstStyle/>
-          <a:p>
-            <a:pPr algn="ctr"/>
-            <a:endParaRPr lang="en-US">
-              <a:solidFill>
-                <a:prstClr val="white"/>
-              </a:solidFill>
-              <a:latin typeface="Calibri" panose="020F0502020204030204"/>
-            </a:endParaRPr>
-          </a:p>
-        </p:txBody>
-      </p:sp>
-      <p:sp>
-        <p:nvSpPr>
-          <p:cNvPr id="13" name="Rectangle 12">
-            <a:extLst>
-              <a:ext uri="{FF2B5EF4-FFF2-40B4-BE49-F238E27FC236}">
-                <a16:creationId xmlns:a16="http://schemas.microsoft.com/office/drawing/2014/main" id="{08C9B587-E65E-4B52-B37C-ABEBB6E87928}"/>
-              </a:ext>
-              <a:ext uri="{C183D7F6-B498-43B3-948B-1728B52AA6E4}">
-                <adec:decorative xmlns:adec="http://schemas.microsoft.com/office/drawing/2017/decorative" val="1"/>
-              </a:ext>
-            </a:extLst>
-          </p:cNvPr>
-          <p:cNvSpPr>
-            <a:spLocks noGrp="1" noRot="1" noChangeAspect="1" noMove="1" noResize="1" noEditPoints="1" noAdjustHandles="1" noChangeArrowheads="1" noChangeShapeType="1" noTextEdit="1"/>
-          </p:cNvSpPr>
-          <p:nvPr>
-            <p:extLst>
-              <p:ext uri="{386F3935-93C4-4BCD-93E2-E3B085C9AB24}">
-                <p16:designElem xmlns:p16="http://schemas.microsoft.com/office/powerpoint/2015/main" val="1"/>
-              </p:ext>
-            </p:extLst>
-          </p:nvPr>
-        </p:nvSpPr>
-        <p:spPr>
-          <a:xfrm>
-            <a:off x="841248" y="3241202"/>
-            <a:ext cx="10506456" cy="18288"/>
-          </a:xfrm>
-          <a:prstGeom prst="rect">
-            <a:avLst/>
-          </a:prstGeom>
-          <a:solidFill>
-            <a:schemeClr val="bg1"/>
-          </a:solidFill>
-          <a:ln w="3175">
-            <a:noFill/>
-          </a:ln>
-          <a:effectLst/>
-        </p:spPr>
-        <p:style>
-          <a:lnRef idx="2">
-            <a:schemeClr val="accent1">
-              <a:shade val="50000"/>
-            </a:schemeClr>
-          </a:lnRef>
-          <a:fillRef idx="1">
-            <a:schemeClr val="accent1"/>
-          </a:fillRef>
-          <a:effectRef idx="0">
-            <a:schemeClr val="accent1"/>
-          </a:effectRef>
-          <a:fontRef idx="minor">
-            <a:schemeClr val="lt1"/>
-          </a:fontRef>
-        </p:style>
-        <p:txBody>
-          <a:bodyPr rtlCol="0" anchor="ctr"/>
-          <a:lstStyle/>
-          <a:p>
-            <a:pPr marL="0" marR="0" lvl="0" indent="0" algn="ctr" defTabSz="914400" rtl="0" eaLnBrk="1" fontAlgn="auto" latinLnBrk="0" hangingPunct="1">
-              <a:lnSpc>
-                <a:spcPct val="100000"/>
-              </a:lnSpc>
-              <a:spcBef>
-                <a:spcPts val="0"/>
-              </a:spcBef>
-              <a:spcAft>
-                <a:spcPts val="0"/>
-              </a:spcAft>
-              <a:buClrTx/>
-              <a:buSzTx/>
-              <a:buFontTx/>
-              <a:buNone/>
-              <a:tabLst/>
-              <a:defRPr/>
-            </a:pPr>
-            <a:endParaRPr kumimoji="0" lang="en-US" sz="1800" b="0" i="0" u="none" strike="noStrike" kern="1200" cap="none" spc="0" normalizeH="0" baseline="0" noProof="0">
-              <a:ln>
-                <a:noFill/>
-              </a:ln>
-              <a:solidFill>
-                <a:prstClr val="white"/>
-              </a:solidFill>
-              <a:effectLst/>
-              <a:uLnTx/>
-              <a:uFillTx/>
-              <a:latin typeface="Calibri" panose="020F0502020204030204"/>
-              <a:ea typeface="+mn-ea"/>
-              <a:cs typeface="+mn-cs"/>
-            </a:endParaRPr>
-          </a:p>
-        </p:txBody>
-      </p:sp>
-      <p:sp>
-        <p:nvSpPr>
-          <p:cNvPr id="3" name="Text Placeholder 2">
-            <a:extLst>
-              <a:ext uri="{FF2B5EF4-FFF2-40B4-BE49-F238E27FC236}">
                 <a16:creationId xmlns:a16="http://schemas.microsoft.com/office/drawing/2014/main" id="{D2B8F835-BF7B-A482-B757-E7D2BDE8C3E2}"/>
               </a:ext>
             </a:extLst>
@@ -4770,7 +4651,7 @@
 </p:sld>
 </file>
 
-<file path=ppt/slides/slide13.xml><?xml version="1.0" encoding="utf-8"?>
+<file path=ppt/slides/slide12.xml><?xml version="1.0" encoding="utf-8"?>
 <p:sld xmlns:a="http://schemas.openxmlformats.org/drawingml/2006/main" xmlns:r="http://schemas.openxmlformats.org/officeDocument/2006/relationships" xmlns:p="http://schemas.openxmlformats.org/presentationml/2006/main">
   <p:cSld>
     <p:bg>
@@ -5085,12 +4966,12 @@
           <a:chExt cx="0" cy="0"/>
         </a:xfrm>
       </p:grpSpPr>
-      <p:sp useBgFill="1">
-        <p:nvSpPr>
-          <p:cNvPr id="9" name="Rectangle 8">
-            <a:extLst>
-              <a:ext uri="{FF2B5EF4-FFF2-40B4-BE49-F238E27FC236}">
-                <a16:creationId xmlns:a16="http://schemas.microsoft.com/office/drawing/2014/main" id="{96CF2A2B-0745-440C-9224-C5C6A0A4286F}"/>
+      <p:sp>
+        <p:nvSpPr>
+          <p:cNvPr id="9" name="!!Rectangle">
+            <a:extLst>
+              <a:ext uri="{FF2B5EF4-FFF2-40B4-BE49-F238E27FC236}">
+                <a16:creationId xmlns:a16="http://schemas.microsoft.com/office/drawing/2014/main" id="{7C432AFE-B3D2-4BFF-BF8F-96C27AFF1AC7}"/>
               </a:ext>
               <a:ext uri="{C183D7F6-B498-43B3-948B-1728B52AA6E4}">
                 <adec:decorative xmlns:adec="http://schemas.microsoft.com/office/drawing/2017/decorative" val="1"/>
@@ -5110,15 +4991,221 @@
         </p:nvSpPr>
         <p:spPr>
           <a:xfrm>
-            <a:off x="0" y="-1"/>
-            <a:ext cx="12188952" cy="6858000"/>
+            <a:off x="0" y="0"/>
+            <a:ext cx="12192000" cy="6858000"/>
           </a:xfrm>
           <a:prstGeom prst="rect">
             <a:avLst/>
           </a:prstGeom>
+          <a:solidFill>
+            <a:schemeClr val="tx1"/>
+          </a:solidFill>
           <a:ln>
             <a:noFill/>
           </a:ln>
+        </p:spPr>
+        <p:style>
+          <a:lnRef idx="2">
+            <a:schemeClr val="accent1">
+              <a:shade val="50000"/>
+            </a:schemeClr>
+          </a:lnRef>
+          <a:fillRef idx="1">
+            <a:schemeClr val="accent1"/>
+          </a:fillRef>
+          <a:effectRef idx="0">
+            <a:schemeClr val="accent1"/>
+          </a:effectRef>
+          <a:fontRef idx="minor">
+            <a:schemeClr val="lt1"/>
+          </a:fontRef>
+        </p:style>
+        <p:txBody>
+          <a:bodyPr rtlCol="0" anchor="ctr"/>
+          <a:lstStyle/>
+          <a:p>
+            <a:pPr algn="ctr"/>
+            <a:endParaRPr lang="en-US"/>
+          </a:p>
+        </p:txBody>
+      </p:sp>
+      <p:pic>
+        <p:nvPicPr>
+          <p:cNvPr id="5" name="Picture 4" descr="A person reaching for a paper on a table full of paper and sticky notes">
+            <a:extLst>
+              <a:ext uri="{FF2B5EF4-FFF2-40B4-BE49-F238E27FC236}">
+                <a16:creationId xmlns:a16="http://schemas.microsoft.com/office/drawing/2014/main" id="{91A1FD30-E5F8-E009-E561-472159CE29D9}"/>
+              </a:ext>
+            </a:extLst>
+          </p:cNvPr>
+          <p:cNvPicPr>
+            <a:picLocks noChangeAspect="1"/>
+          </p:cNvPicPr>
+          <p:nvPr/>
+        </p:nvPicPr>
+        <p:blipFill rotWithShape="1">
+          <a:blip r:embed="rId2">
+            <a:alphaModFix amt="40000"/>
+          </a:blip>
+          <a:srcRect t="8913" b="6817"/>
+          <a:stretch/>
+        </p:blipFill>
+        <p:spPr>
+          <a:xfrm>
+            <a:off x="20" y="10"/>
+            <a:ext cx="12191979" cy="6857990"/>
+          </a:xfrm>
+          <a:prstGeom prst="rect">
+            <a:avLst/>
+          </a:prstGeom>
+        </p:spPr>
+      </p:pic>
+      <p:sp>
+        <p:nvSpPr>
+          <p:cNvPr id="2" name="Title 1">
+            <a:extLst>
+              <a:ext uri="{FF2B5EF4-FFF2-40B4-BE49-F238E27FC236}">
+                <a16:creationId xmlns:a16="http://schemas.microsoft.com/office/drawing/2014/main" id="{C8B2EA07-3813-CEDB-AD35-0A42C0362BE2}"/>
+              </a:ext>
+            </a:extLst>
+          </p:cNvPr>
+          <p:cNvSpPr>
+            <a:spLocks noGrp="1"/>
+          </p:cNvSpPr>
+          <p:nvPr>
+            <p:ph type="title"/>
+          </p:nvPr>
+        </p:nvSpPr>
+        <p:spPr>
+          <a:xfrm>
+            <a:off x="841249" y="941832"/>
+            <a:ext cx="10506456" cy="2057400"/>
+          </a:xfrm>
+        </p:spPr>
+        <p:txBody>
+          <a:bodyPr vert="horz" lIns="91440" tIns="45720" rIns="91440" bIns="45720" rtlCol="0" anchor="b">
+            <a:normAutofit/>
+          </a:bodyPr>
+          <a:lstStyle/>
+          <a:p>
+            <a:pPr marR="0"/>
+            <a:r>
+              <a:rPr lang="en-US" altLang="ja-JP" sz="5000" b="1" i="0" u="none" strike="noStrike" baseline="0">
+                <a:solidFill>
+                  <a:schemeClr val="bg1"/>
+                </a:solidFill>
+              </a:rPr>
+              <a:t>Introduction to Exception Handling</a:t>
+            </a:r>
+          </a:p>
+        </p:txBody>
+      </p:sp>
+      <p:sp>
+        <p:nvSpPr>
+          <p:cNvPr id="11" name="Rectangle 10">
+            <a:extLst>
+              <a:ext uri="{FF2B5EF4-FFF2-40B4-BE49-F238E27FC236}">
+                <a16:creationId xmlns:a16="http://schemas.microsoft.com/office/drawing/2014/main" id="{AF2F604E-43BE-4DC3-B983-E071523364F8}"/>
+              </a:ext>
+              <a:ext uri="{C183D7F6-B498-43B3-948B-1728B52AA6E4}">
+                <adec:decorative xmlns:adec="http://schemas.microsoft.com/office/drawing/2017/decorative" val="1"/>
+              </a:ext>
+            </a:extLst>
+          </p:cNvPr>
+          <p:cNvSpPr>
+            <a:spLocks noGrp="1" noRot="1" noChangeAspect="1" noMove="1" noResize="1" noEditPoints="1" noAdjustHandles="1" noChangeArrowheads="1" noChangeShapeType="1" noTextEdit="1"/>
+          </p:cNvSpPr>
+          <p:nvPr>
+            <p:extLst>
+              <p:ext uri="{386F3935-93C4-4BCD-93E2-E3B085C9AB24}">
+                <p16:designElem xmlns:p16="http://schemas.microsoft.com/office/powerpoint/2015/main" val="1"/>
+              </p:ext>
+            </p:extLst>
+          </p:nvPr>
+        </p:nvSpPr>
+        <p:spPr>
+          <a:xfrm rot="5400000">
+            <a:off x="1120140" y="346791"/>
+            <a:ext cx="146304" cy="704088"/>
+          </a:xfrm>
+          <a:prstGeom prst="rect">
+            <a:avLst/>
+          </a:prstGeom>
+          <a:solidFill>
+            <a:schemeClr val="accent2"/>
+          </a:solidFill>
+          <a:ln>
+            <a:noFill/>
+          </a:ln>
+        </p:spPr>
+        <p:style>
+          <a:lnRef idx="2">
+            <a:schemeClr val="accent1">
+              <a:shade val="50000"/>
+            </a:schemeClr>
+          </a:lnRef>
+          <a:fillRef idx="1">
+            <a:schemeClr val="accent1"/>
+          </a:fillRef>
+          <a:effectRef idx="0">
+            <a:schemeClr val="accent1"/>
+          </a:effectRef>
+          <a:fontRef idx="minor">
+            <a:schemeClr val="lt1"/>
+          </a:fontRef>
+        </p:style>
+        <p:txBody>
+          <a:bodyPr rtlCol="0" anchor="ctr"/>
+          <a:lstStyle/>
+          <a:p>
+            <a:pPr algn="ctr"/>
+            <a:endParaRPr lang="en-US">
+              <a:solidFill>
+                <a:prstClr val="white"/>
+              </a:solidFill>
+              <a:latin typeface="Calibri" panose="020F0502020204030204"/>
+            </a:endParaRPr>
+          </a:p>
+        </p:txBody>
+      </p:sp>
+      <p:sp>
+        <p:nvSpPr>
+          <p:cNvPr id="13" name="Rectangle 12">
+            <a:extLst>
+              <a:ext uri="{FF2B5EF4-FFF2-40B4-BE49-F238E27FC236}">
+                <a16:creationId xmlns:a16="http://schemas.microsoft.com/office/drawing/2014/main" id="{08C9B587-E65E-4B52-B37C-ABEBB6E87928}"/>
+              </a:ext>
+              <a:ext uri="{C183D7F6-B498-43B3-948B-1728B52AA6E4}">
+                <adec:decorative xmlns:adec="http://schemas.microsoft.com/office/drawing/2017/decorative" val="1"/>
+              </a:ext>
+            </a:extLst>
+          </p:cNvPr>
+          <p:cNvSpPr>
+            <a:spLocks noGrp="1" noRot="1" noChangeAspect="1" noMove="1" noResize="1" noEditPoints="1" noAdjustHandles="1" noChangeArrowheads="1" noChangeShapeType="1" noTextEdit="1"/>
+          </p:cNvSpPr>
+          <p:nvPr>
+            <p:extLst>
+              <p:ext uri="{386F3935-93C4-4BCD-93E2-E3B085C9AB24}">
+                <p16:designElem xmlns:p16="http://schemas.microsoft.com/office/powerpoint/2015/main" val="1"/>
+              </p:ext>
+            </p:extLst>
+          </p:nvPr>
+        </p:nvSpPr>
+        <p:spPr>
+          <a:xfrm>
+            <a:off x="841248" y="3241202"/>
+            <a:ext cx="10506456" cy="18288"/>
+          </a:xfrm>
+          <a:prstGeom prst="rect">
+            <a:avLst/>
+          </a:prstGeom>
+          <a:solidFill>
+            <a:schemeClr val="bg1"/>
+          </a:solidFill>
+          <a:ln w="3175">
+            <a:noFill/>
+          </a:ln>
+          <a:effectLst/>
         </p:spPr>
         <p:style>
           <a:lnRef idx="2">
@@ -5176,187 +5263,24 @@
       </p:sp>
       <p:sp>
         <p:nvSpPr>
-          <p:cNvPr id="11" name="Rectangle 10">
-            <a:extLst>
-              <a:ext uri="{FF2B5EF4-FFF2-40B4-BE49-F238E27FC236}">
-                <a16:creationId xmlns:a16="http://schemas.microsoft.com/office/drawing/2014/main" id="{75BE6D6B-84C9-4D2B-97EB-773B7369EF82}"/>
-              </a:ext>
-              <a:ext uri="{C183D7F6-B498-43B3-948B-1728B52AA6E4}">
-                <adec:decorative xmlns:adec="http://schemas.microsoft.com/office/drawing/2017/decorative" val="1"/>
-              </a:ext>
-            </a:extLst>
-          </p:cNvPr>
-          <p:cNvSpPr>
-            <a:spLocks noGrp="1" noRot="1" noChangeAspect="1" noMove="1" noResize="1" noEditPoints="1" noAdjustHandles="1" noChangeArrowheads="1" noChangeShapeType="1" noTextEdit="1"/>
-          </p:cNvSpPr>
-          <p:nvPr>
-            <p:extLst>
-              <p:ext uri="{386F3935-93C4-4BCD-93E2-E3B085C9AB24}">
-                <p16:designElem xmlns:p16="http://schemas.microsoft.com/office/powerpoint/2015/main" val="1"/>
-              </p:ext>
-            </p:extLst>
+          <p:cNvPr id="3" name="Text Placeholder 2">
+            <a:extLst>
+              <a:ext uri="{FF2B5EF4-FFF2-40B4-BE49-F238E27FC236}">
+                <a16:creationId xmlns:a16="http://schemas.microsoft.com/office/drawing/2014/main" id="{0DE1FD9C-E8F5-E42B-FF9A-ED5318AF03A3}"/>
+              </a:ext>
+            </a:extLst>
+          </p:cNvPr>
+          <p:cNvSpPr>
+            <a:spLocks noGrp="1"/>
+          </p:cNvSpPr>
+          <p:nvPr>
+            <p:ph type="body" idx="1"/>
           </p:nvPr>
         </p:nvSpPr>
         <p:spPr>
           <a:xfrm>
-            <a:off x="0" y="0"/>
-            <a:ext cx="12192000" cy="6858000"/>
-          </a:xfrm>
-          <a:prstGeom prst="rect">
-            <a:avLst/>
-          </a:prstGeom>
-          <a:solidFill>
-            <a:srgbClr val="000000"/>
-          </a:solidFill>
-          <a:ln>
-            <a:noFill/>
-          </a:ln>
-        </p:spPr>
-        <p:style>
-          <a:lnRef idx="2">
-            <a:schemeClr val="accent1">
-              <a:shade val="50000"/>
-            </a:schemeClr>
-          </a:lnRef>
-          <a:fillRef idx="1">
-            <a:schemeClr val="accent1"/>
-          </a:fillRef>
-          <a:effectRef idx="0">
-            <a:schemeClr val="accent1"/>
-          </a:effectRef>
-          <a:fontRef idx="minor">
-            <a:schemeClr val="lt1"/>
-          </a:fontRef>
-        </p:style>
-        <p:txBody>
-          <a:bodyPr rtlCol="0" anchor="ctr"/>
-          <a:lstStyle/>
-          <a:p>
-            <a:pPr marL="0" marR="0" lvl="0" indent="0" algn="ctr" defTabSz="914400" rtl="0" eaLnBrk="1" fontAlgn="auto" latinLnBrk="0" hangingPunct="1">
-              <a:lnSpc>
-                <a:spcPct val="100000"/>
-              </a:lnSpc>
-              <a:spcBef>
-                <a:spcPts val="0"/>
-              </a:spcBef>
-              <a:spcAft>
-                <a:spcPts val="0"/>
-              </a:spcAft>
-              <a:buClrTx/>
-              <a:buSzTx/>
-              <a:buFontTx/>
-              <a:buNone/>
-              <a:tabLst/>
-              <a:defRPr/>
-            </a:pPr>
-            <a:endParaRPr kumimoji="0" lang="en-US" sz="1800" b="0" i="0" u="none" strike="noStrike" kern="1200" cap="none" spc="0" normalizeH="0" baseline="0" noProof="0">
-              <a:ln>
-                <a:noFill/>
-              </a:ln>
-              <a:solidFill>
-                <a:srgbClr val="000000"/>
-              </a:solidFill>
-              <a:effectLst/>
-              <a:uLnTx/>
-              <a:uFillTx/>
-              <a:latin typeface="Calibri" panose="020F0502020204030204"/>
-              <a:ea typeface="+mn-ea"/>
-              <a:cs typeface="+mn-cs"/>
-            </a:endParaRPr>
-          </a:p>
-        </p:txBody>
-      </p:sp>
-      <p:pic>
-        <p:nvPicPr>
-          <p:cNvPr id="5" name="Picture 4" descr="Many question marks on black background">
-            <a:extLst>
-              <a:ext uri="{FF2B5EF4-FFF2-40B4-BE49-F238E27FC236}">
-                <a16:creationId xmlns:a16="http://schemas.microsoft.com/office/drawing/2014/main" id="{621CD762-3119-5891-E0F9-B09843E5E9D1}"/>
-              </a:ext>
-            </a:extLst>
-          </p:cNvPr>
-          <p:cNvPicPr>
-            <a:picLocks noChangeAspect="1"/>
-          </p:cNvPicPr>
-          <p:nvPr/>
-        </p:nvPicPr>
-        <p:blipFill rotWithShape="1">
-          <a:blip r:embed="rId2">
-            <a:alphaModFix amt="60000"/>
-          </a:blip>
-          <a:srcRect t="7787"/>
-          <a:stretch/>
-        </p:blipFill>
-        <p:spPr>
-          <a:xfrm>
-            <a:off x="-1" y="10"/>
-            <a:ext cx="12192001" cy="6857990"/>
-          </a:xfrm>
-          <a:prstGeom prst="rect">
-            <a:avLst/>
-          </a:prstGeom>
-        </p:spPr>
-      </p:pic>
-      <p:sp>
-        <p:nvSpPr>
-          <p:cNvPr id="2" name="Title 1">
-            <a:extLst>
-              <a:ext uri="{FF2B5EF4-FFF2-40B4-BE49-F238E27FC236}">
-                <a16:creationId xmlns:a16="http://schemas.microsoft.com/office/drawing/2014/main" id="{60B6DC98-C96C-8C6F-96E7-5ADF9D19EEAE}"/>
-              </a:ext>
-            </a:extLst>
-          </p:cNvPr>
-          <p:cNvSpPr>
-            <a:spLocks noGrp="1"/>
-          </p:cNvSpPr>
-          <p:nvPr>
-            <p:ph type="title"/>
-          </p:nvPr>
-        </p:nvSpPr>
-        <p:spPr>
-          <a:xfrm>
-            <a:off x="1198181" y="728906"/>
-            <a:ext cx="9792471" cy="2057037"/>
-          </a:xfrm>
-        </p:spPr>
-        <p:txBody>
-          <a:bodyPr vert="horz" lIns="91440" tIns="45720" rIns="91440" bIns="45720" rtlCol="0" anchor="ctr">
-            <a:normAutofit/>
-          </a:bodyPr>
-          <a:lstStyle/>
-          <a:p>
-            <a:pPr marR="0"/>
-            <a:r>
-              <a:rPr lang="en-US" altLang="ja-JP" b="1" i="0" u="none" strike="noStrike" baseline="0">
-                <a:solidFill>
-                  <a:srgbClr val="FFFFFF"/>
-                </a:solidFill>
-              </a:rPr>
-              <a:t>Exception Handling in C#</a:t>
-            </a:r>
-          </a:p>
-        </p:txBody>
-      </p:sp>
-      <p:sp>
-        <p:nvSpPr>
-          <p:cNvPr id="3" name="Text Placeholder 2">
-            <a:extLst>
-              <a:ext uri="{FF2B5EF4-FFF2-40B4-BE49-F238E27FC236}">
-                <a16:creationId xmlns:a16="http://schemas.microsoft.com/office/drawing/2014/main" id="{7D4D6399-F82D-69B3-C86E-AB9B9E41A1BB}"/>
-              </a:ext>
-            </a:extLst>
-          </p:cNvPr>
-          <p:cNvSpPr>
-            <a:spLocks noGrp="1"/>
-          </p:cNvSpPr>
-          <p:nvPr>
-            <p:ph type="body" idx="1"/>
-          </p:nvPr>
-        </p:nvSpPr>
-        <p:spPr>
-          <a:xfrm>
-            <a:off x="1198181" y="2957665"/>
-            <a:ext cx="9792471" cy="3171423"/>
+            <a:off x="841248" y="3502152"/>
+            <a:ext cx="10506456" cy="2670048"/>
           </a:xfrm>
         </p:spPr>
         <p:txBody>
@@ -5367,12 +5291,34 @@
           <a:p>
             <a:pPr marR="0" lvl="0"/>
             <a:r>
-              <a:rPr lang="en-US" altLang="ja-JP" sz="2000" b="0" i="0" u="none" strike="noStrike" baseline="0" dirty="0">
+              <a:rPr lang="en-US" altLang="ja-JP" sz="2000" b="0" i="0" u="none" strike="noStrike" baseline="0">
                 <a:solidFill>
-                  <a:srgbClr val="FFFFFF"/>
+                  <a:schemeClr val="bg1"/>
                 </a:solidFill>
               </a:rPr>
-              <a:t>Theory, Examples, and Exercises</a:t>
+              <a:t>Critical for writing robust and reliable software.</a:t>
+            </a:r>
+          </a:p>
+          <a:p>
+            <a:pPr marR="0" lvl="0"/>
+            <a:r>
+              <a:rPr lang="en-US" altLang="ja-JP" sz="2000" b="0" i="0" u="none" strike="noStrike" baseline="0">
+                <a:solidFill>
+                  <a:schemeClr val="bg1"/>
+                </a:solidFill>
+              </a:rPr>
+              <a:t>Allows programs to respond gracefully to runtime errors.</a:t>
+            </a:r>
+          </a:p>
+          <a:p>
+            <a:pPr marR="0" lvl="0"/>
+            <a:r>
+              <a:rPr lang="en-US" altLang="ja-JP" sz="2000" b="0" i="0" u="none" strike="noStrike" baseline="0">
+                <a:solidFill>
+                  <a:schemeClr val="bg1"/>
+                </a:solidFill>
+              </a:rPr>
+              <a:t>Core Keywords: try, catch, finally, throw.</a:t>
             </a:r>
           </a:p>
         </p:txBody>
@@ -5380,7 +5326,7 @@
     </p:spTree>
     <p:extLst>
       <p:ext uri="{BB962C8B-B14F-4D97-AF65-F5344CB8AC3E}">
-        <p14:creationId xmlns:p14="http://schemas.microsoft.com/office/powerpoint/2010/main" val="3341681823"/>
+        <p14:creationId xmlns:p14="http://schemas.microsoft.com/office/powerpoint/2010/main" val="1671540681"/>
       </p:ext>
     </p:extLst>
   </p:cSld>
@@ -5480,10 +5426,10 @@
       </p:sp>
       <p:pic>
         <p:nvPicPr>
-          <p:cNvPr id="5" name="Picture 4" descr="A person reaching for a paper on a table full of paper and sticky notes">
-            <a:extLst>
-              <a:ext uri="{FF2B5EF4-FFF2-40B4-BE49-F238E27FC236}">
-                <a16:creationId xmlns:a16="http://schemas.microsoft.com/office/drawing/2014/main" id="{91A1FD30-E5F8-E009-E561-472159CE29D9}"/>
+          <p:cNvPr id="5" name="Picture 4" descr="White puzzle with one red piece">
+            <a:extLst>
+              <a:ext uri="{FF2B5EF4-FFF2-40B4-BE49-F238E27FC236}">
+                <a16:creationId xmlns:a16="http://schemas.microsoft.com/office/drawing/2014/main" id="{ADEC66F9-4F1D-683C-66F3-D6D0E87262A4}"/>
               </a:ext>
             </a:extLst>
           </p:cNvPr>
@@ -5496,7 +5442,7 @@
           <a:blip r:embed="rId2">
             <a:alphaModFix amt="40000"/>
           </a:blip>
-          <a:srcRect t="8913" b="6817"/>
+          <a:srcRect/>
           <a:stretch/>
         </p:blipFill>
         <p:spPr>
@@ -5514,7 +5460,7 @@
           <p:cNvPr id="2" name="Title 1">
             <a:extLst>
               <a:ext uri="{FF2B5EF4-FFF2-40B4-BE49-F238E27FC236}">
-                <a16:creationId xmlns:a16="http://schemas.microsoft.com/office/drawing/2014/main" id="{C8B2EA07-3813-CEDB-AD35-0A42C0362BE2}"/>
+                <a16:creationId xmlns:a16="http://schemas.microsoft.com/office/drawing/2014/main" id="{75DB5CFF-6918-51B7-5720-D1DE0C8D2CCC}"/>
               </a:ext>
             </a:extLst>
           </p:cNvPr>
@@ -5544,7 +5490,7 @@
                   <a:schemeClr val="bg1"/>
                 </a:solidFill>
               </a:rPr>
-              <a:t>Introduction to Exception Handling</a:t>
+              <a:t>Understanding Exceptions</a:t>
             </a:r>
           </a:p>
         </p:txBody>
@@ -5715,7 +5661,7 @@
           <p:cNvPr id="3" name="Text Placeholder 2">
             <a:extLst>
               <a:ext uri="{FF2B5EF4-FFF2-40B4-BE49-F238E27FC236}">
-                <a16:creationId xmlns:a16="http://schemas.microsoft.com/office/drawing/2014/main" id="{0DE1FD9C-E8F5-E42B-FF9A-ED5318AF03A3}"/>
+                <a16:creationId xmlns:a16="http://schemas.microsoft.com/office/drawing/2014/main" id="{63725961-1028-1C17-097A-4303FD944629}"/>
               </a:ext>
             </a:extLst>
           </p:cNvPr>
@@ -5745,7 +5691,7 @@
                   <a:schemeClr val="bg1"/>
                 </a:solidFill>
               </a:rPr>
-              <a:t>Critical for writing robust and reliable software.</a:t>
+              <a:t>Occurs during program execution and disrupts flow.</a:t>
             </a:r>
           </a:p>
           <a:p>
@@ -5756,7 +5702,7 @@
                   <a:schemeClr val="bg1"/>
                 </a:solidFill>
               </a:rPr>
-              <a:t>Allows programs to respond gracefully to runtime errors.</a:t>
+              <a:t>Instances of classes deriving from System.Exception.</a:t>
             </a:r>
           </a:p>
           <a:p>
@@ -5767,7 +5713,7 @@
                   <a:schemeClr val="bg1"/>
                 </a:solidFill>
               </a:rPr>
-              <a:t>Core Keywords: try, catch, finally, throw.</a:t>
+              <a:t>Uncaught exceptions lead to program termination.</a:t>
             </a:r>
           </a:p>
         </p:txBody>
@@ -5775,7 +5721,7 @@
     </p:spTree>
     <p:extLst>
       <p:ext uri="{BB962C8B-B14F-4D97-AF65-F5344CB8AC3E}">
-        <p14:creationId xmlns:p14="http://schemas.microsoft.com/office/powerpoint/2010/main" val="1671540681"/>
+        <p14:creationId xmlns:p14="http://schemas.microsoft.com/office/powerpoint/2010/main" val="3725204389"/>
       </p:ext>
     </p:extLst>
   </p:cSld>
@@ -5875,10 +5821,10 @@
       </p:sp>
       <p:pic>
         <p:nvPicPr>
-          <p:cNvPr id="5" name="Picture 4" descr="White puzzle with one red piece">
-            <a:extLst>
-              <a:ext uri="{FF2B5EF4-FFF2-40B4-BE49-F238E27FC236}">
-                <a16:creationId xmlns:a16="http://schemas.microsoft.com/office/drawing/2014/main" id="{ADEC66F9-4F1D-683C-66F3-D6D0E87262A4}"/>
+          <p:cNvPr id="5" name="Picture 4" descr="Programming data on computer monitor">
+            <a:extLst>
+              <a:ext uri="{FF2B5EF4-FFF2-40B4-BE49-F238E27FC236}">
+                <a16:creationId xmlns:a16="http://schemas.microsoft.com/office/drawing/2014/main" id="{01623CEE-D015-B204-7620-AE6064480558}"/>
               </a:ext>
             </a:extLst>
           </p:cNvPr>
@@ -5891,7 +5837,7 @@
           <a:blip r:embed="rId2">
             <a:alphaModFix amt="40000"/>
           </a:blip>
-          <a:srcRect/>
+          <a:srcRect t="12054" b="3677"/>
           <a:stretch/>
         </p:blipFill>
         <p:spPr>
@@ -5909,7 +5855,7 @@
           <p:cNvPr id="2" name="Title 1">
             <a:extLst>
               <a:ext uri="{FF2B5EF4-FFF2-40B4-BE49-F238E27FC236}">
-                <a16:creationId xmlns:a16="http://schemas.microsoft.com/office/drawing/2014/main" id="{75DB5CFF-6918-51B7-5720-D1DE0C8D2CCC}"/>
+                <a16:creationId xmlns:a16="http://schemas.microsoft.com/office/drawing/2014/main" id="{3EB53E08-C0CC-4BCE-354E-2AFD882A2698}"/>
               </a:ext>
             </a:extLst>
           </p:cNvPr>
@@ -5939,7 +5885,7 @@
                   <a:schemeClr val="bg1"/>
                 </a:solidFill>
               </a:rPr>
-              <a:t>Understanding Exceptions</a:t>
+              <a:t>The try Block</a:t>
             </a:r>
           </a:p>
         </p:txBody>
@@ -6110,7 +6056,7 @@
           <p:cNvPr id="3" name="Text Placeholder 2">
             <a:extLst>
               <a:ext uri="{FF2B5EF4-FFF2-40B4-BE49-F238E27FC236}">
-                <a16:creationId xmlns:a16="http://schemas.microsoft.com/office/drawing/2014/main" id="{63725961-1028-1C17-097A-4303FD944629}"/>
+                <a16:creationId xmlns:a16="http://schemas.microsoft.com/office/drawing/2014/main" id="{F9421099-DCDA-49DF-48D1-94C0EF455661}"/>
               </a:ext>
             </a:extLst>
           </p:cNvPr>
@@ -6140,7 +6086,7 @@
                   <a:schemeClr val="bg1"/>
                 </a:solidFill>
               </a:rPr>
-              <a:t>Occurs during program execution and disrupts flow.</a:t>
+              <a:t>Wraps code that might throw an exception.</a:t>
             </a:r>
           </a:p>
           <a:p>
@@ -6151,18 +6097,7 @@
                   <a:schemeClr val="bg1"/>
                 </a:solidFill>
               </a:rPr>
-              <a:t>Instances of classes deriving from System.Exception.</a:t>
-            </a:r>
-          </a:p>
-          <a:p>
-            <a:pPr marR="0" lvl="0"/>
-            <a:r>
-              <a:rPr lang="en-US" altLang="ja-JP" sz="2000" b="0" i="0" u="none" strike="noStrike" baseline="0">
-                <a:solidFill>
-                  <a:schemeClr val="bg1"/>
-                </a:solidFill>
-              </a:rPr>
-              <a:t>Uncaught exceptions lead to program termination.</a:t>
+              <a:t>Defines scope for potentially error-generating operations.</a:t>
             </a:r>
           </a:p>
         </p:txBody>
@@ -6170,7 +6105,7 @@
     </p:spTree>
     <p:extLst>
       <p:ext uri="{BB962C8B-B14F-4D97-AF65-F5344CB8AC3E}">
-        <p14:creationId xmlns:p14="http://schemas.microsoft.com/office/powerpoint/2010/main" val="3725204389"/>
+        <p14:creationId xmlns:p14="http://schemas.microsoft.com/office/powerpoint/2010/main" val="315973843"/>
       </p:ext>
     </p:extLst>
   </p:cSld>
@@ -6270,10 +6205,10 @@
       </p:sp>
       <p:pic>
         <p:nvPicPr>
-          <p:cNvPr id="5" name="Picture 4" descr="Programming data on computer monitor">
-            <a:extLst>
-              <a:ext uri="{FF2B5EF4-FFF2-40B4-BE49-F238E27FC236}">
-                <a16:creationId xmlns:a16="http://schemas.microsoft.com/office/drawing/2014/main" id="{01623CEE-D015-B204-7620-AE6064480558}"/>
+          <p:cNvPr id="5" name="Picture 4" descr="3D wooden cubes with one yellow cube suspended in mid-air">
+            <a:extLst>
+              <a:ext uri="{FF2B5EF4-FFF2-40B4-BE49-F238E27FC236}">
+                <a16:creationId xmlns:a16="http://schemas.microsoft.com/office/drawing/2014/main" id="{50529E8C-508A-8B00-F7F3-886A14B3C17A}"/>
               </a:ext>
             </a:extLst>
           </p:cNvPr>
@@ -6286,7 +6221,7 @@
           <a:blip r:embed="rId2">
             <a:alphaModFix amt="40000"/>
           </a:blip>
-          <a:srcRect t="12054" b="3677"/>
+          <a:srcRect b="15730"/>
           <a:stretch/>
         </p:blipFill>
         <p:spPr>
@@ -6304,7 +6239,7 @@
           <p:cNvPr id="2" name="Title 1">
             <a:extLst>
               <a:ext uri="{FF2B5EF4-FFF2-40B4-BE49-F238E27FC236}">
-                <a16:creationId xmlns:a16="http://schemas.microsoft.com/office/drawing/2014/main" id="{3EB53E08-C0CC-4BCE-354E-2AFD882A2698}"/>
+                <a16:creationId xmlns:a16="http://schemas.microsoft.com/office/drawing/2014/main" id="{D32DC6F0-75C9-5A27-0464-1A9A8C1B034D}"/>
               </a:ext>
             </a:extLst>
           </p:cNvPr>
@@ -6334,7 +6269,7 @@
                   <a:schemeClr val="bg1"/>
                 </a:solidFill>
               </a:rPr>
-              <a:t>The try Block</a:t>
+              <a:t>The catch Block</a:t>
             </a:r>
           </a:p>
         </p:txBody>
@@ -6505,7 +6440,7 @@
           <p:cNvPr id="3" name="Text Placeholder 2">
             <a:extLst>
               <a:ext uri="{FF2B5EF4-FFF2-40B4-BE49-F238E27FC236}">
-                <a16:creationId xmlns:a16="http://schemas.microsoft.com/office/drawing/2014/main" id="{F9421099-DCDA-49DF-48D1-94C0EF455661}"/>
+                <a16:creationId xmlns:a16="http://schemas.microsoft.com/office/drawing/2014/main" id="{BDB2A0EB-4F43-CE4A-5D0C-123DED3DE1D9}"/>
               </a:ext>
             </a:extLst>
           </p:cNvPr>
@@ -6535,7 +6470,7 @@
                   <a:schemeClr val="bg1"/>
                 </a:solidFill>
               </a:rPr>
-              <a:t>Wraps code that might throw an exception.</a:t>
+              <a:t>Catches thrown exceptions.</a:t>
             </a:r>
           </a:p>
           <a:p>
@@ -6546,7 +6481,7 @@
                   <a:schemeClr val="bg1"/>
                 </a:solidFill>
               </a:rPr>
-              <a:t>Defines scope for potentially error-generating operations.</a:t>
+              <a:t>Can have multiple blocks for different exception types.</a:t>
             </a:r>
           </a:p>
         </p:txBody>
@@ -6554,7 +6489,7 @@
     </p:spTree>
     <p:extLst>
       <p:ext uri="{BB962C8B-B14F-4D97-AF65-F5344CB8AC3E}">
-        <p14:creationId xmlns:p14="http://schemas.microsoft.com/office/powerpoint/2010/main" val="315973843"/>
+        <p14:creationId xmlns:p14="http://schemas.microsoft.com/office/powerpoint/2010/main" val="904133728"/>
       </p:ext>
     </p:extLst>
   </p:cSld>
@@ -6654,10 +6589,10 @@
       </p:sp>
       <p:pic>
         <p:nvPicPr>
-          <p:cNvPr id="5" name="Picture 4" descr="3D wooden cubes with one yellow cube suspended in mid-air">
-            <a:extLst>
-              <a:ext uri="{FF2B5EF4-FFF2-40B4-BE49-F238E27FC236}">
-                <a16:creationId xmlns:a16="http://schemas.microsoft.com/office/drawing/2014/main" id="{50529E8C-508A-8B00-F7F3-886A14B3C17A}"/>
+          <p:cNvPr id="5" name="Picture 4" descr="Different colours of legos">
+            <a:extLst>
+              <a:ext uri="{FF2B5EF4-FFF2-40B4-BE49-F238E27FC236}">
+                <a16:creationId xmlns:a16="http://schemas.microsoft.com/office/drawing/2014/main" id="{C9727B0D-BBA6-6236-BC02-D8F71E374B16}"/>
               </a:ext>
             </a:extLst>
           </p:cNvPr>
@@ -6670,7 +6605,7 @@
           <a:blip r:embed="rId2">
             <a:alphaModFix amt="40000"/>
           </a:blip>
-          <a:srcRect b="15730"/>
+          <a:srcRect t="4027" b="11704"/>
           <a:stretch/>
         </p:blipFill>
         <p:spPr>
@@ -6688,7 +6623,7 @@
           <p:cNvPr id="2" name="Title 1">
             <a:extLst>
               <a:ext uri="{FF2B5EF4-FFF2-40B4-BE49-F238E27FC236}">
-                <a16:creationId xmlns:a16="http://schemas.microsoft.com/office/drawing/2014/main" id="{D32DC6F0-75C9-5A27-0464-1A9A8C1B034D}"/>
+                <a16:creationId xmlns:a16="http://schemas.microsoft.com/office/drawing/2014/main" id="{37302C8E-4411-B6C7-9FC2-3B6B05A1A389}"/>
               </a:ext>
             </a:extLst>
           </p:cNvPr>
@@ -6718,7 +6653,7 @@
                   <a:schemeClr val="bg1"/>
                 </a:solidFill>
               </a:rPr>
-              <a:t>The catch Block</a:t>
+              <a:t>The finally Block</a:t>
             </a:r>
           </a:p>
         </p:txBody>
@@ -6889,7 +6824,7 @@
           <p:cNvPr id="3" name="Text Placeholder 2">
             <a:extLst>
               <a:ext uri="{FF2B5EF4-FFF2-40B4-BE49-F238E27FC236}">
-                <a16:creationId xmlns:a16="http://schemas.microsoft.com/office/drawing/2014/main" id="{BDB2A0EB-4F43-CE4A-5D0C-123DED3DE1D9}"/>
+                <a16:creationId xmlns:a16="http://schemas.microsoft.com/office/drawing/2014/main" id="{45B1E919-8344-F059-C198-75AAD522796D}"/>
               </a:ext>
             </a:extLst>
           </p:cNvPr>
@@ -6919,7 +6854,7 @@
                   <a:schemeClr val="bg1"/>
                 </a:solidFill>
               </a:rPr>
-              <a:t>Catches thrown exceptions.</a:t>
+              <a:t>Optional block for cleanup.</a:t>
             </a:r>
           </a:p>
           <a:p>
@@ -6930,7 +6865,7 @@
                   <a:schemeClr val="bg1"/>
                 </a:solidFill>
               </a:rPr>
-              <a:t>Can have multiple blocks for different exception types.</a:t>
+              <a:t>Executes regardless of exception occurrence.</a:t>
             </a:r>
           </a:p>
         </p:txBody>
@@ -6938,7 +6873,7 @@
     </p:spTree>
     <p:extLst>
       <p:ext uri="{BB962C8B-B14F-4D97-AF65-F5344CB8AC3E}">
-        <p14:creationId xmlns:p14="http://schemas.microsoft.com/office/powerpoint/2010/main" val="904133728"/>
+        <p14:creationId xmlns:p14="http://schemas.microsoft.com/office/powerpoint/2010/main" val="907553736"/>
       </p:ext>
     </p:extLst>
   </p:cSld>
@@ -7038,10 +6973,10 @@
       </p:sp>
       <p:pic>
         <p:nvPicPr>
-          <p:cNvPr id="5" name="Picture 4" descr="Different colours of legos">
-            <a:extLst>
-              <a:ext uri="{FF2B5EF4-FFF2-40B4-BE49-F238E27FC236}">
-                <a16:creationId xmlns:a16="http://schemas.microsoft.com/office/drawing/2014/main" id="{C9727B0D-BBA6-6236-BC02-D8F71E374B16}"/>
+          <p:cNvPr id="5" name="Picture 4" descr="A top view colourful balls">
+            <a:extLst>
+              <a:ext uri="{FF2B5EF4-FFF2-40B4-BE49-F238E27FC236}">
+                <a16:creationId xmlns:a16="http://schemas.microsoft.com/office/drawing/2014/main" id="{DC12B968-0DE4-1B6B-BB34-6BE2A85E92B4}"/>
               </a:ext>
             </a:extLst>
           </p:cNvPr>
@@ -7054,7 +6989,7 @@
           <a:blip r:embed="rId2">
             <a:alphaModFix amt="40000"/>
           </a:blip>
-          <a:srcRect t="4027" b="11704"/>
+          <a:srcRect t="4035" b="20965"/>
           <a:stretch/>
         </p:blipFill>
         <p:spPr>
@@ -7072,7 +7007,7 @@
           <p:cNvPr id="2" name="Title 1">
             <a:extLst>
               <a:ext uri="{FF2B5EF4-FFF2-40B4-BE49-F238E27FC236}">
-                <a16:creationId xmlns:a16="http://schemas.microsoft.com/office/drawing/2014/main" id="{37302C8E-4411-B6C7-9FC2-3B6B05A1A389}"/>
+                <a16:creationId xmlns:a16="http://schemas.microsoft.com/office/drawing/2014/main" id="{97D79FF5-23C3-A2E4-B34E-BD2B3518978B}"/>
               </a:ext>
             </a:extLst>
           </p:cNvPr>
@@ -7102,7 +7037,7 @@
                   <a:schemeClr val="bg1"/>
                 </a:solidFill>
               </a:rPr>
-              <a:t>The finally Block</a:t>
+              <a:t>Throwing Exceptions</a:t>
             </a:r>
           </a:p>
         </p:txBody>
@@ -7273,7 +7208,7 @@
           <p:cNvPr id="3" name="Text Placeholder 2">
             <a:extLst>
               <a:ext uri="{FF2B5EF4-FFF2-40B4-BE49-F238E27FC236}">
-                <a16:creationId xmlns:a16="http://schemas.microsoft.com/office/drawing/2014/main" id="{45B1E919-8344-F059-C198-75AAD522796D}"/>
+                <a16:creationId xmlns:a16="http://schemas.microsoft.com/office/drawing/2014/main" id="{8C7DFD1F-EFDC-8C09-8AED-AA057B045FA1}"/>
               </a:ext>
             </a:extLst>
           </p:cNvPr>
@@ -7303,7 +7238,7 @@
                   <a:schemeClr val="bg1"/>
                 </a:solidFill>
               </a:rPr>
-              <a:t>Optional block for cleanup.</a:t>
+              <a:t>Use throw to signal errors.</a:t>
             </a:r>
           </a:p>
           <a:p>
@@ -7314,7 +7249,7 @@
                   <a:schemeClr val="bg1"/>
                 </a:solidFill>
               </a:rPr>
-              <a:t>Executes regardless of exception occurrence.</a:t>
+              <a:t>throw; in catch to rethrow exceptions.</a:t>
             </a:r>
           </a:p>
         </p:txBody>
@@ -7322,7 +7257,7 @@
     </p:spTree>
     <p:extLst>
       <p:ext uri="{BB962C8B-B14F-4D97-AF65-F5344CB8AC3E}">
-        <p14:creationId xmlns:p14="http://schemas.microsoft.com/office/powerpoint/2010/main" val="907553736"/>
+        <p14:creationId xmlns:p14="http://schemas.microsoft.com/office/powerpoint/2010/main" val="185652110"/>
       </p:ext>
     </p:extLst>
   </p:cSld>
@@ -7422,10 +7357,10 @@
       </p:sp>
       <p:pic>
         <p:nvPicPr>
-          <p:cNvPr id="5" name="Picture 4" descr="A top view colourful balls">
-            <a:extLst>
-              <a:ext uri="{FF2B5EF4-FFF2-40B4-BE49-F238E27FC236}">
-                <a16:creationId xmlns:a16="http://schemas.microsoft.com/office/drawing/2014/main" id="{DC12B968-0DE4-1B6B-BB34-6BE2A85E92B4}"/>
+          <p:cNvPr id="5" name="Picture 4" descr="Maze">
+            <a:extLst>
+              <a:ext uri="{FF2B5EF4-FFF2-40B4-BE49-F238E27FC236}">
+                <a16:creationId xmlns:a16="http://schemas.microsoft.com/office/drawing/2014/main" id="{41956CE6-B896-64DD-BE17-45FC99D833CB}"/>
               </a:ext>
             </a:extLst>
           </p:cNvPr>
@@ -7438,7 +7373,7 @@
           <a:blip r:embed="rId2">
             <a:alphaModFix amt="40000"/>
           </a:blip>
-          <a:srcRect t="4035" b="20965"/>
+          <a:srcRect t="15730"/>
           <a:stretch/>
         </p:blipFill>
         <p:spPr>
@@ -7456,7 +7391,7 @@
           <p:cNvPr id="2" name="Title 1">
             <a:extLst>
               <a:ext uri="{FF2B5EF4-FFF2-40B4-BE49-F238E27FC236}">
-                <a16:creationId xmlns:a16="http://schemas.microsoft.com/office/drawing/2014/main" id="{97D79FF5-23C3-A2E4-B34E-BD2B3518978B}"/>
+                <a16:creationId xmlns:a16="http://schemas.microsoft.com/office/drawing/2014/main" id="{2C9413A9-88E8-00FB-9EA0-B09F53C9021C}"/>
               </a:ext>
             </a:extLst>
           </p:cNvPr>
@@ -7486,7 +7421,7 @@
                   <a:schemeClr val="bg1"/>
                 </a:solidFill>
               </a:rPr>
-              <a:t>Throwing Exceptions</a:t>
+              <a:t>Best Practices</a:t>
             </a:r>
           </a:p>
         </p:txBody>
@@ -7657,7 +7592,7 @@
           <p:cNvPr id="3" name="Text Placeholder 2">
             <a:extLst>
               <a:ext uri="{FF2B5EF4-FFF2-40B4-BE49-F238E27FC236}">
-                <a16:creationId xmlns:a16="http://schemas.microsoft.com/office/drawing/2014/main" id="{8C7DFD1F-EFDC-8C09-8AED-AA057B045FA1}"/>
+                <a16:creationId xmlns:a16="http://schemas.microsoft.com/office/drawing/2014/main" id="{6D3BCCFD-87A1-68A3-18EB-E0AE35C4226E}"/>
               </a:ext>
             </a:extLst>
           </p:cNvPr>
@@ -7687,7 +7622,7 @@
                   <a:schemeClr val="bg1"/>
                 </a:solidFill>
               </a:rPr>
-              <a:t>Use throw to signal errors.</a:t>
+              <a:t>Catch specific exceptions.</a:t>
             </a:r>
           </a:p>
           <a:p>
@@ -7698,7 +7633,40 @@
                   <a:schemeClr val="bg1"/>
                 </a:solidFill>
               </a:rPr>
-              <a:t>throw; in catch to rethrow exceptions.</a:t>
+              <a:t>Use exceptions for exceptional conditions.</a:t>
+            </a:r>
+          </a:p>
+          <a:p>
+            <a:pPr marR="0" lvl="0"/>
+            <a:r>
+              <a:rPr lang="en-US" altLang="ja-JP" sz="2000" b="0" i="0" u="none" strike="noStrike" baseline="0">
+                <a:solidFill>
+                  <a:schemeClr val="bg1"/>
+                </a:solidFill>
+              </a:rPr>
+              <a:t>Avoid empty catch blocks.</a:t>
+            </a:r>
+          </a:p>
+          <a:p>
+            <a:pPr marR="0" lvl="0"/>
+            <a:r>
+              <a:rPr lang="en-US" altLang="ja-JP" sz="2000" b="0" i="0" u="none" strike="noStrike" baseline="0">
+                <a:solidFill>
+                  <a:schemeClr val="bg1"/>
+                </a:solidFill>
+              </a:rPr>
+              <a:t>Resource cleanup is crucial.</a:t>
+            </a:r>
+          </a:p>
+          <a:p>
+            <a:pPr marR="0" lvl="0"/>
+            <a:r>
+              <a:rPr lang="en-US" altLang="ja-JP" sz="2000" b="0" i="0" u="none" strike="noStrike" baseline="0">
+                <a:solidFill>
+                  <a:schemeClr val="bg1"/>
+                </a:solidFill>
+              </a:rPr>
+              <a:t>Throw meaningful exceptions.</a:t>
             </a:r>
           </a:p>
         </p:txBody>
@@ -7706,7 +7674,7 @@
     </p:spTree>
     <p:extLst>
       <p:ext uri="{BB962C8B-B14F-4D97-AF65-F5344CB8AC3E}">
-        <p14:creationId xmlns:p14="http://schemas.microsoft.com/office/powerpoint/2010/main" val="185652110"/>
+        <p14:creationId xmlns:p14="http://schemas.microsoft.com/office/powerpoint/2010/main" val="4124419215"/>
       </p:ext>
     </p:extLst>
   </p:cSld>
@@ -7806,10 +7774,10 @@
       </p:sp>
       <p:pic>
         <p:nvPicPr>
-          <p:cNvPr id="5" name="Picture 4" descr="Maze">
-            <a:extLst>
-              <a:ext uri="{FF2B5EF4-FFF2-40B4-BE49-F238E27FC236}">
-                <a16:creationId xmlns:a16="http://schemas.microsoft.com/office/drawing/2014/main" id="{41956CE6-B896-64DD-BE17-45FC99D833CB}"/>
+          <p:cNvPr id="5" name="Picture 4" descr="Stack of files">
+            <a:extLst>
+              <a:ext uri="{FF2B5EF4-FFF2-40B4-BE49-F238E27FC236}">
+                <a16:creationId xmlns:a16="http://schemas.microsoft.com/office/drawing/2014/main" id="{D1F8F7C7-F540-BEF7-2F54-EC5AA725B85D}"/>
               </a:ext>
             </a:extLst>
           </p:cNvPr>
@@ -7840,7 +7808,7 @@
           <p:cNvPr id="2" name="Title 1">
             <a:extLst>
               <a:ext uri="{FF2B5EF4-FFF2-40B4-BE49-F238E27FC236}">
-                <a16:creationId xmlns:a16="http://schemas.microsoft.com/office/drawing/2014/main" id="{2C9413A9-88E8-00FB-9EA0-B09F53C9021C}"/>
+                <a16:creationId xmlns:a16="http://schemas.microsoft.com/office/drawing/2014/main" id="{707E202D-2EC3-BA73-E26B-583AAF17840F}"/>
               </a:ext>
             </a:extLst>
           </p:cNvPr>
@@ -7870,7 +7838,7 @@
                   <a:schemeClr val="bg1"/>
                 </a:solidFill>
               </a:rPr>
-              <a:t>Best Practices</a:t>
+              <a:t>File Read Example</a:t>
             </a:r>
           </a:p>
         </p:txBody>
@@ -8041,7 +8009,7 @@
           <p:cNvPr id="3" name="Text Placeholder 2">
             <a:extLst>
               <a:ext uri="{FF2B5EF4-FFF2-40B4-BE49-F238E27FC236}">
-                <a16:creationId xmlns:a16="http://schemas.microsoft.com/office/drawing/2014/main" id="{6D3BCCFD-87A1-68A3-18EB-E0AE35C4226E}"/>
+                <a16:creationId xmlns:a16="http://schemas.microsoft.com/office/drawing/2014/main" id="{6EC0E610-03B8-60CF-1F03-1173E4B71770}"/>
               </a:ext>
             </a:extLst>
           </p:cNvPr>
@@ -8071,51 +8039,7 @@
                   <a:schemeClr val="bg1"/>
                 </a:solidFill>
               </a:rPr>
-              <a:t>Catch specific exceptions.</a:t>
-            </a:r>
-          </a:p>
-          <a:p>
-            <a:pPr marR="0" lvl="0"/>
-            <a:r>
-              <a:rPr lang="en-US" altLang="ja-JP" sz="2000" b="0" i="0" u="none" strike="noStrike" baseline="0">
-                <a:solidFill>
-                  <a:schemeClr val="bg1"/>
-                </a:solidFill>
-              </a:rPr>
-              <a:t>Use exceptions for exceptional conditions.</a:t>
-            </a:r>
-          </a:p>
-          <a:p>
-            <a:pPr marR="0" lvl="0"/>
-            <a:r>
-              <a:rPr lang="en-US" altLang="ja-JP" sz="2000" b="0" i="0" u="none" strike="noStrike" baseline="0">
-                <a:solidFill>
-                  <a:schemeClr val="bg1"/>
-                </a:solidFill>
-              </a:rPr>
-              <a:t>Avoid empty catch blocks.</a:t>
-            </a:r>
-          </a:p>
-          <a:p>
-            <a:pPr marR="0" lvl="0"/>
-            <a:r>
-              <a:rPr lang="en-US" altLang="ja-JP" sz="2000" b="0" i="0" u="none" strike="noStrike" baseline="0">
-                <a:solidFill>
-                  <a:schemeClr val="bg1"/>
-                </a:solidFill>
-              </a:rPr>
-              <a:t>Resource cleanup is crucial.</a:t>
-            </a:r>
-          </a:p>
-          <a:p>
-            <a:pPr marR="0" lvl="0"/>
-            <a:r>
-              <a:rPr lang="en-US" altLang="ja-JP" sz="2000" b="0" i="0" u="none" strike="noStrike" baseline="0">
-                <a:solidFill>
-                  <a:schemeClr val="bg1"/>
-                </a:solidFill>
-              </a:rPr>
-              <a:t>Throw meaningful exceptions.</a:t>
+              <a:t>Brief overview of handling exceptions while reading files. Mention the use of using for resource cleanup.</a:t>
             </a:r>
           </a:p>
         </p:txBody>
@@ -8123,7 +8047,7 @@
     </p:spTree>
     <p:extLst>
       <p:ext uri="{BB962C8B-B14F-4D97-AF65-F5344CB8AC3E}">
-        <p14:creationId xmlns:p14="http://schemas.microsoft.com/office/powerpoint/2010/main" val="4124419215"/>
+        <p14:creationId xmlns:p14="http://schemas.microsoft.com/office/powerpoint/2010/main" val="2052674639"/>
       </p:ext>
     </p:extLst>
   </p:cSld>
